--- a/화면 설계서/7.라우팅 등록 페이지.pptx
+++ b/화면 설계서/7.라우팅 등록 페이지.pptx
@@ -3680,6 +3680,59 @@
       </p:grpSpPr>
       <p:sp>
         <p:nvSpPr>
+          <p:cNvPr id="2" name="사각형: 둥근 모서리 1">
+            <a:extLst>
+              <a:ext uri="{FF2B5EF4-FFF2-40B4-BE49-F238E27FC236}">
+                <a16:creationId xmlns:a16="http://schemas.microsoft.com/office/drawing/2014/main" id="{9B007179-8917-DEB8-1179-120AEE4A6985}"/>
+              </a:ext>
+            </a:extLst>
+          </p:cNvPr>
+          <p:cNvSpPr/>
+          <p:nvPr/>
+        </p:nvSpPr>
+        <p:spPr>
+          <a:xfrm>
+            <a:off x="5817747" y="4753976"/>
+            <a:ext cx="920437" cy="460449"/>
+          </a:xfrm>
+          <a:prstGeom prst="roundRect">
+            <a:avLst/>
+          </a:prstGeom>
+          <a:solidFill>
+            <a:schemeClr val="accent1"/>
+          </a:solidFill>
+          <a:ln>
+            <a:noFill/>
+          </a:ln>
+        </p:spPr>
+        <p:style>
+          <a:lnRef idx="0">
+            <a:scrgbClr r="0" g="0" b="0"/>
+          </a:lnRef>
+          <a:fillRef idx="0">
+            <a:scrgbClr r="0" g="0" b="0"/>
+          </a:fillRef>
+          <a:effectRef idx="0">
+            <a:scrgbClr r="0" g="0" b="0"/>
+          </a:effectRef>
+          <a:fontRef idx="minor">
+            <a:schemeClr val="lt1"/>
+          </a:fontRef>
+        </p:style>
+        <p:txBody>
+          <a:bodyPr rtlCol="0" anchor="ctr"/>
+          <a:lstStyle/>
+          <a:p>
+            <a:pPr algn="ctr"/>
+            <a:r>
+              <a:rPr lang="ko-KR" altLang="en-US"/>
+              <a:t>등록</a:t>
+            </a:r>
+          </a:p>
+        </p:txBody>
+      </p:sp>
+      <p:sp>
+        <p:nvSpPr>
           <p:cNvPr id="27" name="사각형: 둥근 모서리 26">
             <a:extLst>
               <a:ext uri="{FF2B5EF4-FFF2-40B4-BE49-F238E27FC236}">
@@ -3771,54 +3824,6 @@
               <a:t>공정 명</a:t>
             </a:r>
             <a:endParaRPr lang="ko-KR" altLang="en-US" dirty="0"/>
-          </a:p>
-        </p:txBody>
-      </p:sp>
-      <p:sp>
-        <p:nvSpPr>
-          <p:cNvPr id="29" name="사각형: 둥근 모서리 28">
-            <a:extLst>
-              <a:ext uri="{FF2B5EF4-FFF2-40B4-BE49-F238E27FC236}">
-                <a16:creationId xmlns:a16="http://schemas.microsoft.com/office/drawing/2014/main" id="{312F6CDA-FA4E-23FD-AC3D-8955F1DE838E}"/>
-              </a:ext>
-            </a:extLst>
-          </p:cNvPr>
-          <p:cNvSpPr/>
-          <p:nvPr/>
-        </p:nvSpPr>
-        <p:spPr>
-          <a:xfrm>
-            <a:off x="5717932" y="4876792"/>
-            <a:ext cx="1000916" cy="440422"/>
-          </a:xfrm>
-          <a:prstGeom prst="roundRect">
-            <a:avLst/>
-          </a:prstGeom>
-        </p:spPr>
-        <p:style>
-          <a:lnRef idx="2">
-            <a:schemeClr val="dk1"/>
-          </a:lnRef>
-          <a:fillRef idx="1">
-            <a:schemeClr val="lt1"/>
-          </a:fillRef>
-          <a:effectRef idx="0">
-            <a:schemeClr val="dk1"/>
-          </a:effectRef>
-          <a:fontRef idx="minor">
-            <a:schemeClr val="dk1"/>
-          </a:fontRef>
-        </p:style>
-        <p:txBody>
-          <a:bodyPr rtlCol="0" anchor="ctr"/>
-          <a:lstStyle/>
-          <a:p>
-            <a:pPr algn="ctr"/>
-            <a:r>
-              <a:rPr lang="ko-KR" altLang="en-US"/>
-              <a:t>등록</a:t>
-            </a:r>
-            <a:endParaRPr lang="en-US" altLang="ko-KR" dirty="0"/>
           </a:p>
         </p:txBody>
       </p:sp>
